--- a/DC_presentacion.pptx
+++ b/DC_presentacion.pptx
@@ -5,7 +5,7 @@
     <p:sldMasterId id="2147483659" r:id="rId1"/>
   </p:sldMasterIdLst>
   <p:notesMasterIdLst>
-    <p:notesMasterId r:id="rId12"/>
+    <p:notesMasterId r:id="rId14"/>
   </p:notesMasterIdLst>
   <p:sldIdLst>
     <p:sldId id="265" r:id="rId2"/>
@@ -18,16 +18,18 @@
     <p:sldId id="275" r:id="rId9"/>
     <p:sldId id="274" r:id="rId10"/>
     <p:sldId id="260" r:id="rId11"/>
+    <p:sldId id="276" r:id="rId12"/>
+    <p:sldId id="277" r:id="rId13"/>
   </p:sldIdLst>
   <p:sldSz cx="9144000" cy="5143500" type="screen16x9"/>
   <p:notesSz cx="6858000" cy="9144000"/>
   <p:embeddedFontLst>
     <p:embeddedFont>
       <p:font typeface="Roboto" panose="02000000000000000000" pitchFamily="2" charset="0"/>
-      <p:regular r:id="rId13"/>
-      <p:bold r:id="rId14"/>
-      <p:italic r:id="rId15"/>
-      <p:boldItalic r:id="rId16"/>
+      <p:regular r:id="rId15"/>
+      <p:bold r:id="rId16"/>
+      <p:italic r:id="rId17"/>
+      <p:boldItalic r:id="rId18"/>
     </p:embeddedFont>
   </p:embeddedFontLst>
   <p:defaultTextStyle>
@@ -1394,7 +1396,7 @@
             </a:pPr>
             <a:fld id="{00000000-1234-1234-1234-123412341234}" type="slidenum">
               <a:rPr lang="es"/>
-              <a:t>‹Nº›</a:t>
+              <a:t>‹#›</a:t>
             </a:fld>
             <a:endParaRPr/>
           </a:p>
@@ -1971,7 +1973,7 @@
             </a:pPr>
             <a:fld id="{00000000-1234-1234-1234-123412341234}" type="slidenum">
               <a:rPr lang="es"/>
-              <a:t>‹Nº›</a:t>
+              <a:t>‹#›</a:t>
             </a:fld>
             <a:endParaRPr/>
           </a:p>
@@ -2498,7 +2500,7 @@
             </a:pPr>
             <a:fld id="{00000000-1234-1234-1234-123412341234}" type="slidenum">
               <a:rPr lang="es"/>
-              <a:t>‹Nº›</a:t>
+              <a:t>‹#›</a:t>
             </a:fld>
             <a:endParaRPr/>
           </a:p>
@@ -2896,7 +2898,7 @@
             </a:pPr>
             <a:fld id="{00000000-1234-1234-1234-123412341234}" type="slidenum">
               <a:rPr lang="es"/>
-              <a:t>‹Nº›</a:t>
+              <a:t>‹#›</a:t>
             </a:fld>
             <a:endParaRPr/>
           </a:p>
@@ -3415,7 +3417,7 @@
             </a:pPr>
             <a:fld id="{00000000-1234-1234-1234-123412341234}" type="slidenum">
               <a:rPr lang="es"/>
-              <a:t>‹Nº›</a:t>
+              <a:t>‹#›</a:t>
             </a:fld>
             <a:endParaRPr/>
           </a:p>
@@ -4062,7 +4064,7 @@
             </a:pPr>
             <a:fld id="{00000000-1234-1234-1234-123412341234}" type="slidenum">
               <a:rPr lang="es"/>
-              <a:t>‹Nº›</a:t>
+              <a:t>‹#›</a:t>
             </a:fld>
             <a:endParaRPr/>
           </a:p>
@@ -4246,7 +4248,7 @@
             </a:pPr>
             <a:fld id="{00000000-1234-1234-1234-123412341234}" type="slidenum">
               <a:rPr lang="es"/>
-              <a:t>‹Nº›</a:t>
+              <a:t>‹#›</a:t>
             </a:fld>
             <a:endParaRPr/>
           </a:p>
@@ -4959,7 +4961,7 @@
             </a:pPr>
             <a:fld id="{00000000-1234-1234-1234-123412341234}" type="slidenum">
               <a:rPr lang="es"/>
-              <a:t>‹Nº›</a:t>
+              <a:t>‹#›</a:t>
             </a:fld>
             <a:endParaRPr/>
           </a:p>
@@ -5656,7 +5658,7 @@
             </a:pPr>
             <a:fld id="{00000000-1234-1234-1234-123412341234}" type="slidenum">
               <a:rPr lang="es"/>
-              <a:t>‹Nº›</a:t>
+              <a:t>‹#›</a:t>
             </a:fld>
             <a:endParaRPr/>
           </a:p>
@@ -6644,6 +6646,1520 @@
 </p:sld>
 </file>
 
+<file path=ppt/slides/slide11.xml><?xml version="1.0" encoding="utf-8"?>
+<p:sld xmlns:a="http://schemas.openxmlformats.org/drawingml/2006/main" xmlns:r="http://schemas.openxmlformats.org/officeDocument/2006/relationships" xmlns:p="http://schemas.openxmlformats.org/presentationml/2006/main">
+  <p:cSld>
+    <p:spTree>
+      <p:nvGrpSpPr>
+        <p:cNvPr id="1" name=""/>
+        <p:cNvGrpSpPr/>
+        <p:nvPr/>
+      </p:nvGrpSpPr>
+      <p:grpSpPr>
+        <a:xfrm>
+          <a:off x="0" y="0"/>
+          <a:ext cx="0" cy="0"/>
+          <a:chOff x="0" y="0"/>
+          <a:chExt cx="0" cy="0"/>
+        </a:xfrm>
+      </p:grpSpPr>
+      <p:pic>
+        <p:nvPicPr>
+          <p:cNvPr id="13" name="Picture 12" descr="Chart, treemap chart&#10;&#10;Description automatically generated">
+            <a:extLst>
+              <a:ext uri="{FF2B5EF4-FFF2-40B4-BE49-F238E27FC236}">
+                <a16:creationId xmlns:a16="http://schemas.microsoft.com/office/drawing/2014/main" id="{7E064806-F780-43A7-B31E-3E3576101A15}"/>
+              </a:ext>
+            </a:extLst>
+          </p:cNvPr>
+          <p:cNvPicPr>
+            <a:picLocks noChangeAspect="1"/>
+          </p:cNvPicPr>
+          <p:nvPr/>
+        </p:nvPicPr>
+        <p:blipFill>
+          <a:blip r:embed="rId2"/>
+          <a:stretch>
+            <a:fillRect/>
+          </a:stretch>
+        </p:blipFill>
+        <p:spPr>
+          <a:xfrm>
+            <a:off x="0" y="335498"/>
+            <a:ext cx="3240000" cy="2601599"/>
+          </a:xfrm>
+          <a:prstGeom prst="rect">
+            <a:avLst/>
+          </a:prstGeom>
+        </p:spPr>
+      </p:pic>
+      <p:graphicFrame>
+        <p:nvGraphicFramePr>
+          <p:cNvPr id="20" name="Table 20">
+            <a:extLst>
+              <a:ext uri="{FF2B5EF4-FFF2-40B4-BE49-F238E27FC236}">
+                <a16:creationId xmlns:a16="http://schemas.microsoft.com/office/drawing/2014/main" id="{68470D69-7D49-4549-8363-9D09AF7D5481}"/>
+              </a:ext>
+            </a:extLst>
+          </p:cNvPr>
+          <p:cNvGraphicFramePr>
+            <a:graphicFrameLocks noGrp="1"/>
+          </p:cNvGraphicFramePr>
+          <p:nvPr>
+            <p:extLst>
+              <p:ext uri="{D42A27DB-BD31-4B8C-83A1-F6EECF244321}">
+                <p14:modId xmlns:p14="http://schemas.microsoft.com/office/powerpoint/2010/main" val="2430685289"/>
+              </p:ext>
+            </p:extLst>
+          </p:nvPr>
+        </p:nvGraphicFramePr>
+        <p:xfrm>
+          <a:off x="730827" y="3092596"/>
+          <a:ext cx="7682346" cy="1762760"/>
+        </p:xfrm>
+        <a:graphic>
+          <a:graphicData uri="http://schemas.openxmlformats.org/drawingml/2006/table">
+            <a:tbl>
+              <a:tblPr firstRow="1" bandRow="1">
+                <a:tableStyleId>{5940675A-B579-460E-94D1-54222C63F5DA}</a:tableStyleId>
+              </a:tblPr>
+              <a:tblGrid>
+                <a:gridCol w="1946563">
+                  <a:extLst>
+                    <a:ext uri="{9D8B030D-6E8A-4147-A177-3AD203B41FA5}">
+                      <a16:colId xmlns:a16="http://schemas.microsoft.com/office/drawing/2014/main" val="2726712758"/>
+                    </a:ext>
+                  </a:extLst>
+                </a:gridCol>
+                <a:gridCol w="1797628">
+                  <a:extLst>
+                    <a:ext uri="{9D8B030D-6E8A-4147-A177-3AD203B41FA5}">
+                      <a16:colId xmlns:a16="http://schemas.microsoft.com/office/drawing/2014/main" val="2258689845"/>
+                    </a:ext>
+                  </a:extLst>
+                </a:gridCol>
+                <a:gridCol w="2126673">
+                  <a:extLst>
+                    <a:ext uri="{9D8B030D-6E8A-4147-A177-3AD203B41FA5}">
+                      <a16:colId xmlns:a16="http://schemas.microsoft.com/office/drawing/2014/main" val="2431827148"/>
+                    </a:ext>
+                  </a:extLst>
+                </a:gridCol>
+                <a:gridCol w="1811482">
+                  <a:extLst>
+                    <a:ext uri="{9D8B030D-6E8A-4147-A177-3AD203B41FA5}">
+                      <a16:colId xmlns:a16="http://schemas.microsoft.com/office/drawing/2014/main" val="1390513998"/>
+                    </a:ext>
+                  </a:extLst>
+                </a:gridCol>
+              </a:tblGrid>
+              <a:tr h="0">
+                <a:tc>
+                  <a:txBody>
+                    <a:bodyPr/>
+                    <a:lstStyle/>
+                    <a:p>
+                      <a:pPr algn="ctr"/>
+                      <a:endParaRPr lang="es-ES" sz="1100" dirty="0"/>
+                    </a:p>
+                  </a:txBody>
+                  <a:tcPr anchor="ctr">
+                    <a:solidFill>
+                      <a:schemeClr val="lt1"/>
+                    </a:solidFill>
+                  </a:tcPr>
+                </a:tc>
+                <a:tc>
+                  <a:txBody>
+                    <a:bodyPr/>
+                    <a:lstStyle/>
+                    <a:p>
+                      <a:pPr algn="ctr"/>
+                      <a:r>
+                        <a:rPr lang="es-ES" sz="1100" dirty="0"/>
+                        <a:t>Sex</a:t>
+                      </a:r>
+                    </a:p>
+                  </a:txBody>
+                  <a:tcPr anchor="ctr">
+                    <a:solidFill>
+                      <a:schemeClr val="lt1"/>
+                    </a:solidFill>
+                  </a:tcPr>
+                </a:tc>
+                <a:tc>
+                  <a:txBody>
+                    <a:bodyPr/>
+                    <a:lstStyle/>
+                    <a:p>
+                      <a:pPr algn="ctr"/>
+                      <a:r>
+                        <a:rPr lang="es-ES" sz="1100" dirty="0" err="1"/>
+                        <a:t>cp</a:t>
+                      </a:r>
+                      <a:r>
+                        <a:rPr lang="es-ES" sz="1100" dirty="0"/>
+                        <a:t> (asintomático vs resto)</a:t>
+                      </a:r>
+                    </a:p>
+                  </a:txBody>
+                  <a:tcPr anchor="ctr">
+                    <a:solidFill>
+                      <a:schemeClr val="lt1"/>
+                    </a:solidFill>
+                  </a:tcPr>
+                </a:tc>
+                <a:tc>
+                  <a:txBody>
+                    <a:bodyPr/>
+                    <a:lstStyle/>
+                    <a:p>
+                      <a:pPr algn="ctr"/>
+                      <a:r>
+                        <a:rPr lang="es-ES" sz="1100" dirty="0" err="1"/>
+                        <a:t>Thal</a:t>
+                      </a:r>
+                      <a:r>
+                        <a:rPr lang="es-ES" sz="1100" dirty="0"/>
+                        <a:t> (Normal vs Resto)</a:t>
+                      </a:r>
+                    </a:p>
+                  </a:txBody>
+                  <a:tcPr anchor="ctr">
+                    <a:solidFill>
+                      <a:schemeClr val="lt1"/>
+                    </a:solidFill>
+                  </a:tcPr>
+                </a:tc>
+                <a:extLst>
+                  <a:ext uri="{0D108BD9-81ED-4DB2-BD59-A6C34878D82A}">
+                    <a16:rowId xmlns:a16="http://schemas.microsoft.com/office/drawing/2014/main" val="3687652098"/>
+                  </a:ext>
+                </a:extLst>
+              </a:tr>
+              <a:tr h="370840">
+                <a:tc>
+                  <a:txBody>
+                    <a:bodyPr/>
+                    <a:lstStyle/>
+                    <a:p>
+                      <a:pPr algn="ctr"/>
+                      <a:r>
+                        <a:rPr lang="es-ES" sz="1100" dirty="0"/>
+                        <a:t>Estadístico chi-cuadrado</a:t>
+                      </a:r>
+                    </a:p>
+                  </a:txBody>
+                  <a:tcPr anchor="ctr">
+                    <a:solidFill>
+                      <a:schemeClr val="lt1"/>
+                    </a:solidFill>
+                  </a:tcPr>
+                </a:tc>
+                <a:tc>
+                  <a:txBody>
+                    <a:bodyPr/>
+                    <a:lstStyle/>
+                    <a:p>
+                      <a:pPr algn="ctr"/>
+                      <a:r>
+                        <a:rPr lang="es-ES" sz="1100" dirty="0"/>
+                        <a:t>23.218</a:t>
+                      </a:r>
+                    </a:p>
+                  </a:txBody>
+                  <a:tcPr anchor="ctr">
+                    <a:solidFill>
+                      <a:schemeClr val="lt1"/>
+                    </a:solidFill>
+                  </a:tcPr>
+                </a:tc>
+                <a:tc>
+                  <a:txBody>
+                    <a:bodyPr/>
+                    <a:lstStyle/>
+                    <a:p>
+                      <a:pPr algn="ctr"/>
+                      <a:r>
+                        <a:rPr lang="es-ES" sz="1100" dirty="0"/>
+                        <a:t>80.819</a:t>
+                      </a:r>
+                    </a:p>
+                  </a:txBody>
+                  <a:tcPr anchor="ctr">
+                    <a:solidFill>
+                      <a:schemeClr val="lt1"/>
+                    </a:solidFill>
+                  </a:tcPr>
+                </a:tc>
+                <a:tc>
+                  <a:txBody>
+                    <a:bodyPr/>
+                    <a:lstStyle/>
+                    <a:p>
+                      <a:pPr algn="ctr"/>
+                      <a:r>
+                        <a:rPr lang="es-ES" sz="1100" dirty="0"/>
+                        <a:t>84.302</a:t>
+                      </a:r>
+                    </a:p>
+                  </a:txBody>
+                  <a:tcPr anchor="ctr">
+                    <a:solidFill>
+                      <a:schemeClr val="lt1"/>
+                    </a:solidFill>
+                  </a:tcPr>
+                </a:tc>
+                <a:extLst>
+                  <a:ext uri="{0D108BD9-81ED-4DB2-BD59-A6C34878D82A}">
+                    <a16:rowId xmlns:a16="http://schemas.microsoft.com/office/drawing/2014/main" val="3793533861"/>
+                  </a:ext>
+                </a:extLst>
+              </a:tr>
+              <a:tr h="370840">
+                <a:tc>
+                  <a:txBody>
+                    <a:bodyPr/>
+                    <a:lstStyle/>
+                    <a:p>
+                      <a:pPr algn="ctr"/>
+                      <a:r>
+                        <a:rPr lang="es-ES" sz="1100" dirty="0"/>
+                        <a:t>P-valor</a:t>
+                      </a:r>
+                    </a:p>
+                  </a:txBody>
+                  <a:tcPr anchor="ctr">
+                    <a:solidFill>
+                      <a:schemeClr val="lt1"/>
+                    </a:solidFill>
+                  </a:tcPr>
+                </a:tc>
+                <a:tc>
+                  <a:txBody>
+                    <a:bodyPr/>
+                    <a:lstStyle/>
+                    <a:p>
+                      <a:pPr algn="ctr"/>
+                      <a:r>
+                        <a:rPr lang="es-ES" sz="1100" dirty="0"/>
+                        <a:t>1.446*</a:t>
+                      </a:r>
+                      <a:r>
+                        <a:rPr lang="es-ES" sz="1100" dirty="0" err="1"/>
+                        <a:t>exp</a:t>
+                      </a:r>
+                      <a:r>
+                        <a:rPr lang="es-ES" sz="1100" dirty="0"/>
+                        <a:t>(-6)</a:t>
+                      </a:r>
+                    </a:p>
+                  </a:txBody>
+                  <a:tcPr anchor="ctr">
+                    <a:solidFill>
+                      <a:schemeClr val="lt1"/>
+                    </a:solidFill>
+                  </a:tcPr>
+                </a:tc>
+                <a:tc>
+                  <a:txBody>
+                    <a:bodyPr/>
+                    <a:lstStyle/>
+                    <a:p>
+                      <a:pPr algn="ctr"/>
+                      <a:r>
+                        <a:rPr lang="es-ES" sz="1100" dirty="0"/>
+                        <a:t>&lt;2.2*</a:t>
+                      </a:r>
+                      <a:r>
+                        <a:rPr lang="es-ES" sz="1100" dirty="0" err="1"/>
+                        <a:t>exp</a:t>
+                      </a:r>
+                      <a:r>
+                        <a:rPr lang="es-ES" sz="1100" dirty="0"/>
+                        <a:t>(-16)</a:t>
+                      </a:r>
+                    </a:p>
+                  </a:txBody>
+                  <a:tcPr anchor="ctr">
+                    <a:solidFill>
+                      <a:schemeClr val="lt1"/>
+                    </a:solidFill>
+                  </a:tcPr>
+                </a:tc>
+                <a:tc>
+                  <a:txBody>
+                    <a:bodyPr/>
+                    <a:lstStyle/>
+                    <a:p>
+                      <a:pPr marL="0" marR="0" lvl="0" indent="0" algn="ctr" defTabSz="914400" rtl="0" eaLnBrk="1" fontAlgn="auto" latinLnBrk="0" hangingPunct="1">
+                        <a:lnSpc>
+                          <a:spcPct val="100000"/>
+                        </a:lnSpc>
+                        <a:spcBef>
+                          <a:spcPts val="0"/>
+                        </a:spcBef>
+                        <a:spcAft>
+                          <a:spcPts val="0"/>
+                        </a:spcAft>
+                        <a:buClr>
+                          <a:srgbClr val="000000"/>
+                        </a:buClr>
+                        <a:buSzTx/>
+                        <a:buFont typeface="Arial"/>
+                        <a:buNone/>
+                        <a:tabLst/>
+                        <a:defRPr/>
+                      </a:pPr>
+                      <a:r>
+                        <a:rPr lang="es-ES" sz="1100" dirty="0"/>
+                        <a:t>&lt;2.2*</a:t>
+                      </a:r>
+                      <a:r>
+                        <a:rPr lang="es-ES" sz="1100" dirty="0" err="1"/>
+                        <a:t>exp</a:t>
+                      </a:r>
+                      <a:r>
+                        <a:rPr lang="es-ES" sz="1100" dirty="0"/>
+                        <a:t>(-16)</a:t>
+                      </a:r>
+                    </a:p>
+                  </a:txBody>
+                  <a:tcPr anchor="ctr">
+                    <a:solidFill>
+                      <a:schemeClr val="lt1"/>
+                    </a:solidFill>
+                  </a:tcPr>
+                </a:tc>
+                <a:extLst>
+                  <a:ext uri="{0D108BD9-81ED-4DB2-BD59-A6C34878D82A}">
+                    <a16:rowId xmlns:a16="http://schemas.microsoft.com/office/drawing/2014/main" val="3603557134"/>
+                  </a:ext>
+                </a:extLst>
+              </a:tr>
+              <a:tr h="370840">
+                <a:tc>
+                  <a:txBody>
+                    <a:bodyPr/>
+                    <a:lstStyle/>
+                    <a:p>
+                      <a:pPr algn="ctr"/>
+                      <a:r>
+                        <a:rPr lang="es-ES" sz="1100" dirty="0"/>
+                        <a:t>Resultado</a:t>
+                      </a:r>
+                    </a:p>
+                  </a:txBody>
+                  <a:tcPr anchor="ctr">
+                    <a:solidFill>
+                      <a:schemeClr val="lt1"/>
+                    </a:solidFill>
+                  </a:tcPr>
+                </a:tc>
+                <a:tc>
+                  <a:txBody>
+                    <a:bodyPr/>
+                    <a:lstStyle/>
+                    <a:p>
+                      <a:pPr algn="ctr"/>
+                      <a:r>
+                        <a:rPr lang="es-ES" sz="1100" dirty="0"/>
+                        <a:t>Más enfermedad del corazón en hombres</a:t>
+                      </a:r>
+                    </a:p>
+                  </a:txBody>
+                  <a:tcPr anchor="ctr">
+                    <a:solidFill>
+                      <a:schemeClr val="lt1"/>
+                    </a:solidFill>
+                  </a:tcPr>
+                </a:tc>
+                <a:tc>
+                  <a:txBody>
+                    <a:bodyPr/>
+                    <a:lstStyle/>
+                    <a:p>
+                      <a:pPr algn="ctr"/>
+                      <a:r>
+                        <a:rPr lang="es-ES" sz="1100" dirty="0"/>
+                        <a:t>Más enfermedad del corazón para enfermos sin síntomas de dolor en el pecho</a:t>
+                      </a:r>
+                    </a:p>
+                  </a:txBody>
+                  <a:tcPr anchor="ctr">
+                    <a:solidFill>
+                      <a:schemeClr val="lt1"/>
+                    </a:solidFill>
+                  </a:tcPr>
+                </a:tc>
+                <a:tc>
+                  <a:txBody>
+                    <a:bodyPr/>
+                    <a:lstStyle/>
+                    <a:p>
+                      <a:pPr marL="0" marR="0" lvl="0" indent="0" algn="ctr" defTabSz="914400" rtl="0" eaLnBrk="1" fontAlgn="auto" latinLnBrk="0" hangingPunct="1">
+                        <a:lnSpc>
+                          <a:spcPct val="100000"/>
+                        </a:lnSpc>
+                        <a:spcBef>
+                          <a:spcPts val="0"/>
+                        </a:spcBef>
+                        <a:spcAft>
+                          <a:spcPts val="0"/>
+                        </a:spcAft>
+                        <a:buClr>
+                          <a:srgbClr val="000000"/>
+                        </a:buClr>
+                        <a:buSzTx/>
+                        <a:buFont typeface="Arial"/>
+                        <a:buNone/>
+                        <a:tabLst/>
+                        <a:defRPr/>
+                      </a:pPr>
+                      <a:r>
+                        <a:rPr lang="es-ES" sz="1100" dirty="0"/>
+                        <a:t>Más enfermedad del corazón en resultado Normal en prueba de esfuerzo con Talio</a:t>
+                      </a:r>
+                    </a:p>
+                  </a:txBody>
+                  <a:tcPr anchor="ctr">
+                    <a:solidFill>
+                      <a:schemeClr val="lt1"/>
+                    </a:solidFill>
+                  </a:tcPr>
+                </a:tc>
+                <a:extLst>
+                  <a:ext uri="{0D108BD9-81ED-4DB2-BD59-A6C34878D82A}">
+                    <a16:rowId xmlns:a16="http://schemas.microsoft.com/office/drawing/2014/main" val="509030760"/>
+                  </a:ext>
+                </a:extLst>
+              </a:tr>
+            </a:tbl>
+          </a:graphicData>
+        </a:graphic>
+      </p:graphicFrame>
+      <p:pic>
+        <p:nvPicPr>
+          <p:cNvPr id="21" name="Picture 20" descr="Chart, bar chart, treemap chart&#10;&#10;Description automatically generated">
+            <a:extLst>
+              <a:ext uri="{FF2B5EF4-FFF2-40B4-BE49-F238E27FC236}">
+                <a16:creationId xmlns:a16="http://schemas.microsoft.com/office/drawing/2014/main" id="{40C00827-5470-415D-B2E8-3005D07D2432}"/>
+              </a:ext>
+            </a:extLst>
+          </p:cNvPr>
+          <p:cNvPicPr>
+            <a:picLocks noChangeAspect="1"/>
+          </p:cNvPicPr>
+          <p:nvPr/>
+        </p:nvPicPr>
+        <p:blipFill>
+          <a:blip r:embed="rId3"/>
+          <a:stretch>
+            <a:fillRect/>
+          </a:stretch>
+        </p:blipFill>
+        <p:spPr>
+          <a:xfrm>
+            <a:off x="2952000" y="335496"/>
+            <a:ext cx="3240000" cy="2601601"/>
+          </a:xfrm>
+          <a:prstGeom prst="rect">
+            <a:avLst/>
+          </a:prstGeom>
+        </p:spPr>
+      </p:pic>
+      <p:sp>
+        <p:nvSpPr>
+          <p:cNvPr id="22" name="TextBox 21">
+            <a:extLst>
+              <a:ext uri="{FF2B5EF4-FFF2-40B4-BE49-F238E27FC236}">
+                <a16:creationId xmlns:a16="http://schemas.microsoft.com/office/drawing/2014/main" id="{E545D49D-43AC-4B90-A365-7585C205E3D3}"/>
+              </a:ext>
+            </a:extLst>
+          </p:cNvPr>
+          <p:cNvSpPr txBox="1"/>
+          <p:nvPr/>
+        </p:nvSpPr>
+        <p:spPr>
+          <a:xfrm>
+            <a:off x="491835" y="2703198"/>
+            <a:ext cx="6359237" cy="323037"/>
+          </a:xfrm>
+          <a:prstGeom prst="rect">
+            <a:avLst/>
+          </a:prstGeom>
+          <a:noFill/>
+        </p:spPr>
+        <p:txBody>
+          <a:bodyPr wrap="square" rtlCol="0">
+            <a:spAutoFit/>
+          </a:bodyPr>
+          <a:lstStyle/>
+          <a:p>
+            <a:pPr marL="457200" indent="-342900">
+              <a:lnSpc>
+                <a:spcPct val="115000"/>
+              </a:lnSpc>
+              <a:buClr>
+                <a:schemeClr val="dk2"/>
+              </a:buClr>
+              <a:buSzPts val="1800"/>
+              <a:buFont typeface="Roboto"/>
+              <a:buChar char="●"/>
+            </a:pPr>
+            <a:r>
+              <a:rPr lang="es-ES" dirty="0">
+                <a:solidFill>
+                  <a:schemeClr val="dk2"/>
+                </a:solidFill>
+                <a:latin typeface="Roboto"/>
+                <a:ea typeface="Roboto"/>
+                <a:sym typeface="Roboto"/>
+              </a:rPr>
+              <a:t>Test chi-cuadrado de Pearson (independencia entre variables)</a:t>
+            </a:r>
+          </a:p>
+        </p:txBody>
+      </p:sp>
+      <p:sp>
+        <p:nvSpPr>
+          <p:cNvPr id="23" name="TextBox 22">
+            <a:extLst>
+              <a:ext uri="{FF2B5EF4-FFF2-40B4-BE49-F238E27FC236}">
+                <a16:creationId xmlns:a16="http://schemas.microsoft.com/office/drawing/2014/main" id="{70F76554-6527-45A5-A2F7-15B4784C975D}"/>
+              </a:ext>
+            </a:extLst>
+          </p:cNvPr>
+          <p:cNvSpPr txBox="1"/>
+          <p:nvPr/>
+        </p:nvSpPr>
+        <p:spPr>
+          <a:xfrm>
+            <a:off x="491836" y="77792"/>
+            <a:ext cx="3916720" cy="323037"/>
+          </a:xfrm>
+          <a:prstGeom prst="rect">
+            <a:avLst/>
+          </a:prstGeom>
+          <a:noFill/>
+        </p:spPr>
+        <p:txBody>
+          <a:bodyPr wrap="square" rtlCol="0">
+            <a:spAutoFit/>
+          </a:bodyPr>
+          <a:lstStyle/>
+          <a:p>
+            <a:pPr marL="457200" indent="-342900">
+              <a:lnSpc>
+                <a:spcPct val="115000"/>
+              </a:lnSpc>
+              <a:buClr>
+                <a:schemeClr val="dk2"/>
+              </a:buClr>
+              <a:buSzPts val="1800"/>
+              <a:buFont typeface="Roboto"/>
+              <a:buChar char="●"/>
+            </a:pPr>
+            <a:r>
+              <a:rPr lang="es-ES" dirty="0">
+                <a:solidFill>
+                  <a:schemeClr val="dk2"/>
+                </a:solidFill>
+                <a:latin typeface="Roboto"/>
+                <a:ea typeface="Roboto"/>
+                <a:sym typeface="Roboto"/>
+              </a:rPr>
+              <a:t>Representación tablas de contingencia</a:t>
+            </a:r>
+          </a:p>
+        </p:txBody>
+      </p:sp>
+      <p:pic>
+        <p:nvPicPr>
+          <p:cNvPr id="24" name="Picture 23" descr="Chart, bar chart, treemap chart&#10;&#10;Description automatically generated">
+            <a:extLst>
+              <a:ext uri="{FF2B5EF4-FFF2-40B4-BE49-F238E27FC236}">
+                <a16:creationId xmlns:a16="http://schemas.microsoft.com/office/drawing/2014/main" id="{76AC6032-F410-4F19-A61E-2E765A06F1F4}"/>
+              </a:ext>
+            </a:extLst>
+          </p:cNvPr>
+          <p:cNvPicPr>
+            <a:picLocks noChangeAspect="1"/>
+          </p:cNvPicPr>
+          <p:nvPr/>
+        </p:nvPicPr>
+        <p:blipFill>
+          <a:blip r:embed="rId4"/>
+          <a:stretch>
+            <a:fillRect/>
+          </a:stretch>
+        </p:blipFill>
+        <p:spPr>
+          <a:xfrm>
+            <a:off x="5904000" y="239310"/>
+            <a:ext cx="3240000" cy="2601601"/>
+          </a:xfrm>
+          <a:prstGeom prst="rect">
+            <a:avLst/>
+          </a:prstGeom>
+        </p:spPr>
+      </p:pic>
+    </p:spTree>
+    <p:extLst>
+      <p:ext uri="{BB962C8B-B14F-4D97-AF65-F5344CB8AC3E}">
+        <p14:creationId xmlns:p14="http://schemas.microsoft.com/office/powerpoint/2010/main" val="1863690794"/>
+      </p:ext>
+    </p:extLst>
+  </p:cSld>
+  <p:clrMapOvr>
+    <a:masterClrMapping/>
+  </p:clrMapOvr>
+</p:sld>
+</file>
+
+<file path=ppt/slides/slide12.xml><?xml version="1.0" encoding="utf-8"?>
+<p:sld xmlns:a="http://schemas.openxmlformats.org/drawingml/2006/main" xmlns:r="http://schemas.openxmlformats.org/officeDocument/2006/relationships" xmlns:p="http://schemas.openxmlformats.org/presentationml/2006/main">
+  <p:cSld>
+    <p:spTree>
+      <p:nvGrpSpPr>
+        <p:cNvPr id="1" name=""/>
+        <p:cNvGrpSpPr/>
+        <p:nvPr/>
+      </p:nvGrpSpPr>
+      <p:grpSpPr>
+        <a:xfrm>
+          <a:off x="0" y="0"/>
+          <a:ext cx="0" cy="0"/>
+          <a:chOff x="0" y="0"/>
+          <a:chExt cx="0" cy="0"/>
+        </a:xfrm>
+      </p:grpSpPr>
+      <p:pic>
+        <p:nvPicPr>
+          <p:cNvPr id="5" name="Picture 4" descr="Chart, box and whisker chart&#10;&#10;Description automatically generated">
+            <a:extLst>
+              <a:ext uri="{FF2B5EF4-FFF2-40B4-BE49-F238E27FC236}">
+                <a16:creationId xmlns:a16="http://schemas.microsoft.com/office/drawing/2014/main" id="{F4421FB8-1CC2-488F-8649-354BEC5AE01B}"/>
+              </a:ext>
+            </a:extLst>
+          </p:cNvPr>
+          <p:cNvPicPr>
+            <a:picLocks noChangeAspect="1"/>
+          </p:cNvPicPr>
+          <p:nvPr/>
+        </p:nvPicPr>
+        <p:blipFill>
+          <a:blip r:embed="rId2"/>
+          <a:stretch>
+            <a:fillRect/>
+          </a:stretch>
+        </p:blipFill>
+        <p:spPr>
+          <a:xfrm>
+            <a:off x="0" y="900479"/>
+            <a:ext cx="4565063" cy="3665577"/>
+          </a:xfrm>
+          <a:prstGeom prst="rect">
+            <a:avLst/>
+          </a:prstGeom>
+        </p:spPr>
+      </p:pic>
+      <p:sp>
+        <p:nvSpPr>
+          <p:cNvPr id="8" name="TextBox 7">
+            <a:extLst>
+              <a:ext uri="{FF2B5EF4-FFF2-40B4-BE49-F238E27FC236}">
+                <a16:creationId xmlns:a16="http://schemas.microsoft.com/office/drawing/2014/main" id="{D9EBC833-06C7-458A-80BC-11B64740D142}"/>
+              </a:ext>
+            </a:extLst>
+          </p:cNvPr>
+          <p:cNvSpPr txBox="1"/>
+          <p:nvPr/>
+        </p:nvSpPr>
+        <p:spPr>
+          <a:xfrm>
+            <a:off x="-124691" y="415923"/>
+            <a:ext cx="3916720" cy="323037"/>
+          </a:xfrm>
+          <a:prstGeom prst="rect">
+            <a:avLst/>
+          </a:prstGeom>
+          <a:noFill/>
+        </p:spPr>
+        <p:txBody>
+          <a:bodyPr wrap="square" rtlCol="0">
+            <a:spAutoFit/>
+          </a:bodyPr>
+          <a:lstStyle/>
+          <a:p>
+            <a:pPr marL="457200" indent="-342900">
+              <a:lnSpc>
+                <a:spcPct val="115000"/>
+              </a:lnSpc>
+              <a:buClr>
+                <a:schemeClr val="dk2"/>
+              </a:buClr>
+              <a:buSzPts val="1800"/>
+              <a:buFont typeface="Roboto"/>
+              <a:buChar char="●"/>
+            </a:pPr>
+            <a:r>
+              <a:rPr lang="es-ES" dirty="0">
+                <a:solidFill>
+                  <a:schemeClr val="dk2"/>
+                </a:solidFill>
+                <a:latin typeface="Roboto"/>
+                <a:ea typeface="Roboto"/>
+                <a:sym typeface="Roboto"/>
+              </a:rPr>
+              <a:t>Box-</a:t>
+            </a:r>
+            <a:r>
+              <a:rPr lang="es-ES" dirty="0" err="1">
+                <a:solidFill>
+                  <a:schemeClr val="dk2"/>
+                </a:solidFill>
+                <a:latin typeface="Roboto"/>
+                <a:ea typeface="Roboto"/>
+                <a:sym typeface="Roboto"/>
+              </a:rPr>
+              <a:t>plot</a:t>
+            </a:r>
+            <a:r>
+              <a:rPr lang="es-ES" dirty="0">
+                <a:solidFill>
+                  <a:schemeClr val="dk2"/>
+                </a:solidFill>
+                <a:latin typeface="Roboto"/>
+                <a:ea typeface="Roboto"/>
+                <a:sym typeface="Roboto"/>
+              </a:rPr>
+              <a:t> </a:t>
+            </a:r>
+            <a:r>
+              <a:rPr lang="es-ES" dirty="0" err="1">
+                <a:solidFill>
+                  <a:schemeClr val="dk2"/>
+                </a:solidFill>
+                <a:latin typeface="Roboto"/>
+                <a:ea typeface="Roboto"/>
+                <a:sym typeface="Roboto"/>
+              </a:rPr>
+              <a:t>thalach</a:t>
+            </a:r>
+            <a:r>
+              <a:rPr lang="es-ES" dirty="0">
+                <a:solidFill>
+                  <a:schemeClr val="dk2"/>
+                </a:solidFill>
+                <a:latin typeface="Roboto"/>
+                <a:ea typeface="Roboto"/>
+                <a:sym typeface="Roboto"/>
+              </a:rPr>
+              <a:t> por nivel de target</a:t>
+            </a:r>
+          </a:p>
+        </p:txBody>
+      </p:sp>
+      <p:sp>
+        <p:nvSpPr>
+          <p:cNvPr id="9" name="TextBox 8">
+            <a:extLst>
+              <a:ext uri="{FF2B5EF4-FFF2-40B4-BE49-F238E27FC236}">
+                <a16:creationId xmlns:a16="http://schemas.microsoft.com/office/drawing/2014/main" id="{9C245216-ECE8-42BC-8BB0-4A6FC0D2FB56}"/>
+              </a:ext>
+            </a:extLst>
+          </p:cNvPr>
+          <p:cNvSpPr txBox="1"/>
+          <p:nvPr/>
+        </p:nvSpPr>
+        <p:spPr>
+          <a:xfrm>
+            <a:off x="4558126" y="415923"/>
+            <a:ext cx="3916720" cy="323037"/>
+          </a:xfrm>
+          <a:prstGeom prst="rect">
+            <a:avLst/>
+          </a:prstGeom>
+          <a:noFill/>
+        </p:spPr>
+        <p:txBody>
+          <a:bodyPr wrap="square" rtlCol="0">
+            <a:spAutoFit/>
+          </a:bodyPr>
+          <a:lstStyle/>
+          <a:p>
+            <a:pPr marL="457200" indent="-342900">
+              <a:lnSpc>
+                <a:spcPct val="115000"/>
+              </a:lnSpc>
+              <a:buClr>
+                <a:schemeClr val="dk2"/>
+              </a:buClr>
+              <a:buSzPts val="1800"/>
+              <a:buFont typeface="Roboto"/>
+              <a:buChar char="●"/>
+            </a:pPr>
+            <a:r>
+              <a:rPr lang="es-ES" dirty="0">
+                <a:solidFill>
+                  <a:schemeClr val="dk2"/>
+                </a:solidFill>
+                <a:latin typeface="Roboto"/>
+                <a:ea typeface="Roboto"/>
+                <a:sym typeface="Roboto"/>
+              </a:rPr>
+              <a:t>Test Normalidad y heterocedasticidad</a:t>
+            </a:r>
+          </a:p>
+        </p:txBody>
+      </p:sp>
+      <p:graphicFrame>
+        <p:nvGraphicFramePr>
+          <p:cNvPr id="10" name="Table 7">
+            <a:extLst>
+              <a:ext uri="{FF2B5EF4-FFF2-40B4-BE49-F238E27FC236}">
+                <a16:creationId xmlns:a16="http://schemas.microsoft.com/office/drawing/2014/main" id="{FB072320-D62A-4E42-A6E7-508FC142CD78}"/>
+              </a:ext>
+            </a:extLst>
+          </p:cNvPr>
+          <p:cNvGraphicFramePr>
+            <a:graphicFrameLocks noGrp="1"/>
+          </p:cNvGraphicFramePr>
+          <p:nvPr>
+            <p:extLst>
+              <p:ext uri="{D42A27DB-BD31-4B8C-83A1-F6EECF244321}">
+                <p14:modId xmlns:p14="http://schemas.microsoft.com/office/powerpoint/2010/main" val="915056105"/>
+              </p:ext>
+            </p:extLst>
+          </p:nvPr>
+        </p:nvGraphicFramePr>
+        <p:xfrm>
+          <a:off x="4880894" y="822087"/>
+          <a:ext cx="4176078" cy="1624282"/>
+        </p:xfrm>
+        <a:graphic>
+          <a:graphicData uri="http://schemas.openxmlformats.org/drawingml/2006/table">
+            <a:tbl>
+              <a:tblPr firstRow="1" bandRow="1">
+                <a:tableStyleId>{5940675A-B579-460E-94D1-54222C63F5DA}</a:tableStyleId>
+              </a:tblPr>
+              <a:tblGrid>
+                <a:gridCol w="1578293">
+                  <a:extLst>
+                    <a:ext uri="{9D8B030D-6E8A-4147-A177-3AD203B41FA5}">
+                      <a16:colId xmlns:a16="http://schemas.microsoft.com/office/drawing/2014/main" val="802919504"/>
+                    </a:ext>
+                  </a:extLst>
+                </a:gridCol>
+                <a:gridCol w="835343">
+                  <a:extLst>
+                    <a:ext uri="{9D8B030D-6E8A-4147-A177-3AD203B41FA5}">
+                      <a16:colId xmlns:a16="http://schemas.microsoft.com/office/drawing/2014/main" val="124870643"/>
+                    </a:ext>
+                  </a:extLst>
+                </a:gridCol>
+                <a:gridCol w="619443">
+                  <a:extLst>
+                    <a:ext uri="{9D8B030D-6E8A-4147-A177-3AD203B41FA5}">
+                      <a16:colId xmlns:a16="http://schemas.microsoft.com/office/drawing/2014/main" val="2709834829"/>
+                    </a:ext>
+                  </a:extLst>
+                </a:gridCol>
+                <a:gridCol w="1142999">
+                  <a:extLst>
+                    <a:ext uri="{9D8B030D-6E8A-4147-A177-3AD203B41FA5}">
+                      <a16:colId xmlns:a16="http://schemas.microsoft.com/office/drawing/2014/main" val="3690020637"/>
+                    </a:ext>
+                  </a:extLst>
+                </a:gridCol>
+              </a:tblGrid>
+              <a:tr h="220948">
+                <a:tc>
+                  <a:txBody>
+                    <a:bodyPr/>
+                    <a:lstStyle/>
+                    <a:p>
+                      <a:pPr algn="ctr"/>
+                      <a:r>
+                        <a:rPr lang="es-ES" sz="1000" dirty="0"/>
+                        <a:t>Test</a:t>
+                      </a:r>
+                    </a:p>
+                  </a:txBody>
+                  <a:tcPr marT="36000" marB="36000"/>
+                </a:tc>
+                <a:tc>
+                  <a:txBody>
+                    <a:bodyPr/>
+                    <a:lstStyle/>
+                    <a:p>
+                      <a:pPr algn="ctr"/>
+                      <a:r>
+                        <a:rPr lang="es-ES" sz="1000" dirty="0"/>
+                        <a:t>Estadístico</a:t>
+                      </a:r>
+                    </a:p>
+                  </a:txBody>
+                  <a:tcPr marT="36000" marB="36000"/>
+                </a:tc>
+                <a:tc>
+                  <a:txBody>
+                    <a:bodyPr/>
+                    <a:lstStyle/>
+                    <a:p>
+                      <a:pPr algn="ctr"/>
+                      <a:r>
+                        <a:rPr lang="es-ES" sz="1000" dirty="0"/>
+                        <a:t>P-valor</a:t>
+                      </a:r>
+                    </a:p>
+                  </a:txBody>
+                  <a:tcPr marT="36000" marB="36000"/>
+                </a:tc>
+                <a:tc>
+                  <a:txBody>
+                    <a:bodyPr/>
+                    <a:lstStyle/>
+                    <a:p>
+                      <a:pPr algn="ctr"/>
+                      <a:r>
+                        <a:rPr lang="es-ES" sz="1000" dirty="0"/>
+                        <a:t>Resultado</a:t>
+                      </a:r>
+                    </a:p>
+                  </a:txBody>
+                  <a:tcPr marT="36000" marB="36000"/>
+                </a:tc>
+                <a:extLst>
+                  <a:ext uri="{0D108BD9-81ED-4DB2-BD59-A6C34878D82A}">
+                    <a16:rowId xmlns:a16="http://schemas.microsoft.com/office/drawing/2014/main" val="2258875170"/>
+                  </a:ext>
+                </a:extLst>
+              </a:tr>
+              <a:tr h="324207">
+                <a:tc>
+                  <a:txBody>
+                    <a:bodyPr/>
+                    <a:lstStyle/>
+                    <a:p>
+                      <a:pPr algn="l"/>
+                      <a:r>
+                        <a:rPr lang="es-ES" sz="1000" dirty="0"/>
+                        <a:t>Shapiro Enfermedad</a:t>
+                      </a:r>
+                    </a:p>
+                    <a:p>
+                      <a:pPr algn="l"/>
+                      <a:r>
+                        <a:rPr lang="es-ES" sz="1000" dirty="0"/>
+                        <a:t>(target = 1)</a:t>
+                      </a:r>
+                    </a:p>
+                  </a:txBody>
+                  <a:tcPr marT="36000" marB="36000"/>
+                </a:tc>
+                <a:tc>
+                  <a:txBody>
+                    <a:bodyPr/>
+                    <a:lstStyle/>
+                    <a:p>
+                      <a:pPr algn="ctr"/>
+                      <a:r>
+                        <a:rPr lang="es-ES" sz="1000" dirty="0"/>
+                        <a:t>0.9892</a:t>
+                      </a:r>
+                    </a:p>
+                  </a:txBody>
+                  <a:tcPr marT="36000" marB="36000"/>
+                </a:tc>
+                <a:tc>
+                  <a:txBody>
+                    <a:bodyPr/>
+                    <a:lstStyle/>
+                    <a:p>
+                      <a:pPr algn="ctr"/>
+                      <a:r>
+                        <a:rPr lang="es-ES" sz="1000" dirty="0"/>
+                        <a:t>0.3523</a:t>
+                      </a:r>
+                    </a:p>
+                  </a:txBody>
+                  <a:tcPr marT="36000" marB="36000"/>
+                </a:tc>
+                <a:tc>
+                  <a:txBody>
+                    <a:bodyPr/>
+                    <a:lstStyle/>
+                    <a:p>
+                      <a:pPr algn="ctr"/>
+                      <a:r>
+                        <a:rPr lang="es-ES" sz="1000" dirty="0"/>
+                        <a:t>Normal</a:t>
+                      </a:r>
+                    </a:p>
+                  </a:txBody>
+                  <a:tcPr marT="36000" marB="36000"/>
+                </a:tc>
+                <a:extLst>
+                  <a:ext uri="{0D108BD9-81ED-4DB2-BD59-A6C34878D82A}">
+                    <a16:rowId xmlns:a16="http://schemas.microsoft.com/office/drawing/2014/main" val="1317127149"/>
+                  </a:ext>
+                </a:extLst>
+              </a:tr>
+              <a:tr h="0">
+                <a:tc>
+                  <a:txBody>
+                    <a:bodyPr/>
+                    <a:lstStyle/>
+                    <a:p>
+                      <a:pPr marL="0" marR="0" lvl="0" indent="0" algn="l" defTabSz="914400" rtl="0" eaLnBrk="1" fontAlgn="auto" latinLnBrk="0" hangingPunct="1">
+                        <a:lnSpc>
+                          <a:spcPct val="100000"/>
+                        </a:lnSpc>
+                        <a:spcBef>
+                          <a:spcPts val="0"/>
+                        </a:spcBef>
+                        <a:spcAft>
+                          <a:spcPts val="0"/>
+                        </a:spcAft>
+                        <a:buClr>
+                          <a:srgbClr val="000000"/>
+                        </a:buClr>
+                        <a:buSzTx/>
+                        <a:buFont typeface="Arial"/>
+                        <a:buNone/>
+                        <a:tabLst/>
+                        <a:defRPr/>
+                      </a:pPr>
+                      <a:r>
+                        <a:rPr lang="es-ES" sz="1000" dirty="0"/>
+                        <a:t>Shapiro Sin enfermedad</a:t>
+                      </a:r>
+                    </a:p>
+                    <a:p>
+                      <a:pPr marL="0" marR="0" lvl="0" indent="0" algn="l" defTabSz="914400" rtl="0" eaLnBrk="1" fontAlgn="auto" latinLnBrk="0" hangingPunct="1">
+                        <a:lnSpc>
+                          <a:spcPct val="100000"/>
+                        </a:lnSpc>
+                        <a:spcBef>
+                          <a:spcPts val="0"/>
+                        </a:spcBef>
+                        <a:spcAft>
+                          <a:spcPts val="0"/>
+                        </a:spcAft>
+                        <a:buClr>
+                          <a:srgbClr val="000000"/>
+                        </a:buClr>
+                        <a:buSzTx/>
+                        <a:buFont typeface="Arial"/>
+                        <a:buNone/>
+                        <a:tabLst/>
+                        <a:defRPr/>
+                      </a:pPr>
+                      <a:r>
+                        <a:rPr lang="es-ES" sz="1000" dirty="0"/>
+                        <a:t>(target = 0)</a:t>
+                      </a:r>
+                    </a:p>
+                    <a:p>
+                      <a:pPr algn="l"/>
+                      <a:endParaRPr lang="es-ES" sz="1000" dirty="0"/>
+                    </a:p>
+                  </a:txBody>
+                  <a:tcPr marT="36000" marB="36000"/>
+                </a:tc>
+                <a:tc>
+                  <a:txBody>
+                    <a:bodyPr/>
+                    <a:lstStyle/>
+                    <a:p>
+                      <a:pPr algn="ctr"/>
+                      <a:r>
+                        <a:rPr lang="es-ES" sz="1000" dirty="0"/>
+                        <a:t>0.9666</a:t>
+                      </a:r>
+                    </a:p>
+                  </a:txBody>
+                  <a:tcPr marT="36000" marB="36000"/>
+                </a:tc>
+                <a:tc>
+                  <a:txBody>
+                    <a:bodyPr/>
+                    <a:lstStyle/>
+                    <a:p>
+                      <a:pPr algn="ctr"/>
+                      <a:r>
+                        <a:rPr lang="es-ES" sz="1000" dirty="0"/>
+                        <a:t>0.0005</a:t>
+                      </a:r>
+                    </a:p>
+                  </a:txBody>
+                  <a:tcPr marT="36000" marB="36000"/>
+                </a:tc>
+                <a:tc>
+                  <a:txBody>
+                    <a:bodyPr/>
+                    <a:lstStyle/>
+                    <a:p>
+                      <a:pPr algn="ctr"/>
+                      <a:r>
+                        <a:rPr lang="es-ES" sz="1000" dirty="0"/>
+                        <a:t>No normal</a:t>
+                      </a:r>
+                    </a:p>
+                  </a:txBody>
+                  <a:tcPr marT="36000" marB="36000"/>
+                </a:tc>
+                <a:extLst>
+                  <a:ext uri="{0D108BD9-81ED-4DB2-BD59-A6C34878D82A}">
+                    <a16:rowId xmlns:a16="http://schemas.microsoft.com/office/drawing/2014/main" val="1903561857"/>
+                  </a:ext>
+                </a:extLst>
+              </a:tr>
+              <a:tr h="493882">
+                <a:tc>
+                  <a:txBody>
+                    <a:bodyPr/>
+                    <a:lstStyle/>
+                    <a:p>
+                      <a:pPr algn="l"/>
+                      <a:r>
+                        <a:rPr lang="es-ES" sz="1000" dirty="0" err="1"/>
+                        <a:t>Fligner-Killeen</a:t>
+                      </a:r>
+                      <a:endParaRPr lang="es-ES" sz="1000" dirty="0"/>
+                    </a:p>
+                  </a:txBody>
+                  <a:tcPr marT="36000" marB="36000"/>
+                </a:tc>
+                <a:tc>
+                  <a:txBody>
+                    <a:bodyPr/>
+                    <a:lstStyle/>
+                    <a:p>
+                      <a:pPr algn="ctr"/>
+                      <a:r>
+                        <a:rPr lang="es-ES" sz="1000" dirty="0"/>
+                        <a:t>5.3987</a:t>
+                      </a:r>
+                    </a:p>
+                  </a:txBody>
+                  <a:tcPr marT="36000" marB="36000"/>
+                </a:tc>
+                <a:tc>
+                  <a:txBody>
+                    <a:bodyPr/>
+                    <a:lstStyle/>
+                    <a:p>
+                      <a:pPr algn="ctr"/>
+                      <a:r>
+                        <a:rPr lang="es-ES" sz="1000" dirty="0"/>
+                        <a:t>0.0202</a:t>
+                      </a:r>
+                    </a:p>
+                  </a:txBody>
+                  <a:tcPr marT="36000" marB="36000"/>
+                </a:tc>
+                <a:tc>
+                  <a:txBody>
+                    <a:bodyPr/>
+                    <a:lstStyle/>
+                    <a:p>
+                      <a:pPr algn="ctr"/>
+                      <a:r>
+                        <a:rPr lang="es-ES" sz="1000" dirty="0"/>
+                        <a:t>No homogeneidad</a:t>
+                      </a:r>
+                    </a:p>
+                  </a:txBody>
+                  <a:tcPr marT="36000" marB="36000"/>
+                </a:tc>
+                <a:extLst>
+                  <a:ext uri="{0D108BD9-81ED-4DB2-BD59-A6C34878D82A}">
+                    <a16:rowId xmlns:a16="http://schemas.microsoft.com/office/drawing/2014/main" val="2706435199"/>
+                  </a:ext>
+                </a:extLst>
+              </a:tr>
+            </a:tbl>
+          </a:graphicData>
+        </a:graphic>
+      </p:graphicFrame>
+      <p:sp>
+        <p:nvSpPr>
+          <p:cNvPr id="11" name="TextBox 10">
+            <a:extLst>
+              <a:ext uri="{FF2B5EF4-FFF2-40B4-BE49-F238E27FC236}">
+                <a16:creationId xmlns:a16="http://schemas.microsoft.com/office/drawing/2014/main" id="{A1ED04C2-B61A-4D28-9858-CED2815CC719}"/>
+              </a:ext>
+            </a:extLst>
+          </p:cNvPr>
+          <p:cNvSpPr txBox="1"/>
+          <p:nvPr/>
+        </p:nvSpPr>
+        <p:spPr>
+          <a:xfrm>
+            <a:off x="4558126" y="2697132"/>
+            <a:ext cx="3916720" cy="323037"/>
+          </a:xfrm>
+          <a:prstGeom prst="rect">
+            <a:avLst/>
+          </a:prstGeom>
+          <a:noFill/>
+        </p:spPr>
+        <p:txBody>
+          <a:bodyPr wrap="square" rtlCol="0">
+            <a:spAutoFit/>
+          </a:bodyPr>
+          <a:lstStyle/>
+          <a:p>
+            <a:pPr marL="457200" indent="-342900">
+              <a:lnSpc>
+                <a:spcPct val="115000"/>
+              </a:lnSpc>
+              <a:buClr>
+                <a:schemeClr val="dk2"/>
+              </a:buClr>
+              <a:buSzPts val="1800"/>
+              <a:buFont typeface="Roboto"/>
+              <a:buChar char="●"/>
+            </a:pPr>
+            <a:r>
+              <a:rPr lang="es-ES" dirty="0">
+                <a:solidFill>
+                  <a:schemeClr val="dk2"/>
+                </a:solidFill>
+                <a:latin typeface="Roboto"/>
+                <a:ea typeface="Roboto"/>
+                <a:sym typeface="Roboto"/>
+              </a:rPr>
+              <a:t>Test Wilcoxon de igualdad medias</a:t>
+            </a:r>
+          </a:p>
+        </p:txBody>
+      </p:sp>
+      <p:graphicFrame>
+        <p:nvGraphicFramePr>
+          <p:cNvPr id="12" name="Table 7">
+            <a:extLst>
+              <a:ext uri="{FF2B5EF4-FFF2-40B4-BE49-F238E27FC236}">
+                <a16:creationId xmlns:a16="http://schemas.microsoft.com/office/drawing/2014/main" id="{EA776592-E8F4-45BD-9134-D46633F8B245}"/>
+              </a:ext>
+            </a:extLst>
+          </p:cNvPr>
+          <p:cNvGraphicFramePr>
+            <a:graphicFrameLocks noGrp="1"/>
+          </p:cNvGraphicFramePr>
+          <p:nvPr>
+            <p:extLst>
+              <p:ext uri="{D42A27DB-BD31-4B8C-83A1-F6EECF244321}">
+                <p14:modId xmlns:p14="http://schemas.microsoft.com/office/powerpoint/2010/main" val="3108717068"/>
+              </p:ext>
+            </p:extLst>
+          </p:nvPr>
+        </p:nvGraphicFramePr>
+        <p:xfrm>
+          <a:off x="4946053" y="3222802"/>
+          <a:ext cx="3886210" cy="753600"/>
+        </p:xfrm>
+        <a:graphic>
+          <a:graphicData uri="http://schemas.openxmlformats.org/drawingml/2006/table">
+            <a:tbl>
+              <a:tblPr firstRow="1" bandRow="1">
+                <a:tableStyleId>{5940675A-B579-460E-94D1-54222C63F5DA}</a:tableStyleId>
+              </a:tblPr>
+              <a:tblGrid>
+                <a:gridCol w="937762">
+                  <a:extLst>
+                    <a:ext uri="{9D8B030D-6E8A-4147-A177-3AD203B41FA5}">
+                      <a16:colId xmlns:a16="http://schemas.microsoft.com/office/drawing/2014/main" val="124870643"/>
+                    </a:ext>
+                  </a:extLst>
+                </a:gridCol>
+                <a:gridCol w="1201850">
+                  <a:extLst>
+                    <a:ext uri="{9D8B030D-6E8A-4147-A177-3AD203B41FA5}">
+                      <a16:colId xmlns:a16="http://schemas.microsoft.com/office/drawing/2014/main" val="2709834829"/>
+                    </a:ext>
+                  </a:extLst>
+                </a:gridCol>
+                <a:gridCol w="1746598">
+                  <a:extLst>
+                    <a:ext uri="{9D8B030D-6E8A-4147-A177-3AD203B41FA5}">
+                      <a16:colId xmlns:a16="http://schemas.microsoft.com/office/drawing/2014/main" val="3690020637"/>
+                    </a:ext>
+                  </a:extLst>
+                </a:gridCol>
+              </a:tblGrid>
+              <a:tr h="102553">
+                <a:tc>
+                  <a:txBody>
+                    <a:bodyPr/>
+                    <a:lstStyle/>
+                    <a:p>
+                      <a:pPr algn="ctr"/>
+                      <a:r>
+                        <a:rPr lang="es-ES" sz="1000" dirty="0"/>
+                        <a:t>Estadístico</a:t>
+                      </a:r>
+                    </a:p>
+                  </a:txBody>
+                  <a:tcPr marT="36000" marB="36000"/>
+                </a:tc>
+                <a:tc>
+                  <a:txBody>
+                    <a:bodyPr/>
+                    <a:lstStyle/>
+                    <a:p>
+                      <a:pPr algn="ctr"/>
+                      <a:r>
+                        <a:rPr lang="es-ES" sz="1000" dirty="0"/>
+                        <a:t>P-valor</a:t>
+                      </a:r>
+                    </a:p>
+                  </a:txBody>
+                  <a:tcPr marT="36000" marB="36000"/>
+                </a:tc>
+                <a:tc>
+                  <a:txBody>
+                    <a:bodyPr/>
+                    <a:lstStyle/>
+                    <a:p>
+                      <a:pPr algn="ctr"/>
+                      <a:r>
+                        <a:rPr lang="es-ES" sz="1000" dirty="0"/>
+                        <a:t>Resultado</a:t>
+                      </a:r>
+                    </a:p>
+                  </a:txBody>
+                  <a:tcPr marT="36000" marB="36000">
+                    <a:solidFill>
+                      <a:schemeClr val="lt1"/>
+                    </a:solidFill>
+                  </a:tcPr>
+                </a:tc>
+                <a:extLst>
+                  <a:ext uri="{0D108BD9-81ED-4DB2-BD59-A6C34878D82A}">
+                    <a16:rowId xmlns:a16="http://schemas.microsoft.com/office/drawing/2014/main" val="2258875170"/>
+                  </a:ext>
+                </a:extLst>
+              </a:tr>
+              <a:tr h="172202">
+                <a:tc>
+                  <a:txBody>
+                    <a:bodyPr/>
+                    <a:lstStyle/>
+                    <a:p>
+                      <a:pPr algn="ctr"/>
+                      <a:r>
+                        <a:rPr lang="es-ES" sz="1000" dirty="0"/>
+                        <a:t>16990</a:t>
+                      </a:r>
+                    </a:p>
+                  </a:txBody>
+                  <a:tcPr marT="36000" marB="36000"/>
+                </a:tc>
+                <a:tc>
+                  <a:txBody>
+                    <a:bodyPr/>
+                    <a:lstStyle/>
+                    <a:p>
+                      <a:pPr algn="ctr"/>
+                      <a:r>
+                        <a:rPr lang="es-ES" sz="1000" dirty="0"/>
+                        <a:t>9.305*</a:t>
+                      </a:r>
+                      <a:r>
+                        <a:rPr lang="es-ES" sz="1000" dirty="0" err="1"/>
+                        <a:t>exp</a:t>
+                      </a:r>
+                      <a:r>
+                        <a:rPr lang="es-ES" sz="1000" dirty="0"/>
+                        <a:t>(-14)</a:t>
+                      </a:r>
+                    </a:p>
+                  </a:txBody>
+                  <a:tcPr marT="36000" marB="36000"/>
+                </a:tc>
+                <a:tc>
+                  <a:txBody>
+                    <a:bodyPr/>
+                    <a:lstStyle/>
+                    <a:p>
+                      <a:pPr algn="ctr"/>
+                      <a:r>
+                        <a:rPr lang="es-ES" sz="1000" dirty="0"/>
+                        <a:t>La frecuencia cardíaca es mayor en pacientes sin enfermedad en el corazón</a:t>
+                      </a:r>
+                    </a:p>
+                  </a:txBody>
+                  <a:tcPr marT="36000" marB="36000">
+                    <a:solidFill>
+                      <a:schemeClr val="lt1"/>
+                    </a:solidFill>
+                  </a:tcPr>
+                </a:tc>
+                <a:extLst>
+                  <a:ext uri="{0D108BD9-81ED-4DB2-BD59-A6C34878D82A}">
+                    <a16:rowId xmlns:a16="http://schemas.microsoft.com/office/drawing/2014/main" val="1317127149"/>
+                  </a:ext>
+                </a:extLst>
+              </a:tr>
+            </a:tbl>
+          </a:graphicData>
+        </a:graphic>
+      </p:graphicFrame>
+      <p:sp>
+        <p:nvSpPr>
+          <p:cNvPr id="13" name="TextBox 12">
+            <a:extLst>
+              <a:ext uri="{FF2B5EF4-FFF2-40B4-BE49-F238E27FC236}">
+                <a16:creationId xmlns:a16="http://schemas.microsoft.com/office/drawing/2014/main" id="{0D347068-BF3E-4166-A97F-B72B475B6939}"/>
+              </a:ext>
+            </a:extLst>
+          </p:cNvPr>
+          <p:cNvSpPr txBox="1"/>
+          <p:nvPr/>
+        </p:nvSpPr>
+        <p:spPr>
+          <a:xfrm>
+            <a:off x="4946054" y="4400789"/>
+            <a:ext cx="678892" cy="261610"/>
+          </a:xfrm>
+          <a:prstGeom prst="rect">
+            <a:avLst/>
+          </a:prstGeom>
+          <a:noFill/>
+        </p:spPr>
+        <p:txBody>
+          <a:bodyPr wrap="square" rtlCol="0">
+            <a:spAutoFit/>
+          </a:bodyPr>
+          <a:lstStyle/>
+          <a:p>
+            <a:r>
+              <a:rPr lang="es-ES" sz="1100" dirty="0">
+                <a:hlinkClick r:id="rId3" action="ppaction://hlinksldjump"/>
+              </a:rPr>
+              <a:t>Volver</a:t>
+            </a:r>
+            <a:endParaRPr lang="es-ES" sz="1100" dirty="0"/>
+          </a:p>
+        </p:txBody>
+      </p:sp>
+    </p:spTree>
+    <p:extLst>
+      <p:ext uri="{BB962C8B-B14F-4D97-AF65-F5344CB8AC3E}">
+        <p14:creationId xmlns:p14="http://schemas.microsoft.com/office/powerpoint/2010/main" val="348972790"/>
+      </p:ext>
+    </p:extLst>
+  </p:cSld>
+  <p:clrMapOvr>
+    <a:masterClrMapping/>
+  </p:clrMapOvr>
+</p:sld>
+</file>
+
 <file path=ppt/slides/slide2.xml><?xml version="1.0" encoding="utf-8"?>
 <p:sld xmlns:a="http://schemas.openxmlformats.org/drawingml/2006/main" xmlns:r="http://schemas.openxmlformats.org/officeDocument/2006/relationships" xmlns:p="http://schemas.openxmlformats.org/presentationml/2006/main">
   <p:cSld>
@@ -6890,6 +8406,7 @@
             <a:r>
               <a:rPr lang="es-ES" sz="1800" b="0" i="1" u="none" strike="noStrike" baseline="0" dirty="0">
                 <a:latin typeface="LMRoman10-Italic"/>
+                <a:hlinkClick r:id="rId2"/>
               </a:rPr>
               <a:t>https://archive.ics.uci.edu/ml/datasets/Heart+Disease</a:t>
             </a:r>
@@ -7504,15 +9021,22 @@
           <a:lstStyle/>
           <a:p>
             <a:r>
-              <a:rPr lang="es-ES" dirty="0"/>
+              <a:rPr lang="es-ES" dirty="0">
+                <a:hlinkClick r:id="rId2" action="ppaction://hlinksldjump"/>
+              </a:rPr>
               <a:t>Análisis exploratorio de la variables</a:t>
             </a:r>
+            <a:endParaRPr lang="es-ES" dirty="0"/>
           </a:p>
           <a:p>
-            <a:pPr lvl="1"/>
+            <a:pPr lvl="1">
+              <a:spcBef>
+                <a:spcPts val="600"/>
+              </a:spcBef>
+            </a:pPr>
             <a:r>
               <a:rPr lang="es-ES" dirty="0"/>
-              <a:t>Sex</a:t>
+              <a:t>Sex (Hombre, Mujer)</a:t>
             </a:r>
           </a:p>
           <a:p>
@@ -7521,7 +9045,10 @@
               <a:rPr lang="es-ES" dirty="0" err="1"/>
               <a:t>Cp</a:t>
             </a:r>
-            <a:endParaRPr lang="es-ES" dirty="0"/>
+            <a:r>
+              <a:rPr lang="es-ES" dirty="0"/>
+              <a:t> (Tipo de dolor en el pecho)</a:t>
+            </a:r>
           </a:p>
           <a:p>
             <a:pPr lvl="1"/>
@@ -7529,13 +9056,24 @@
               <a:rPr lang="es-ES" dirty="0" err="1"/>
               <a:t>Talach</a:t>
             </a:r>
-            <a:endParaRPr lang="es-ES" dirty="0"/>
+            <a:r>
+              <a:rPr lang="es-ES" dirty="0"/>
+              <a:t> (Frecuencia cardíaca)</a:t>
+            </a:r>
           </a:p>
           <a:p>
             <a:pPr lvl="1"/>
             <a:r>
               <a:rPr lang="es-ES" dirty="0" err="1"/>
               <a:t>Thal</a:t>
+            </a:r>
+            <a:r>
+              <a:rPr lang="es-ES" dirty="0"/>
+              <a:t> (Resultado de prueba de </a:t>
+            </a:r>
+            <a:r>
+              <a:rPr lang="es-ES"/>
+              <a:t>esfuerzo con Talio)</a:t>
             </a:r>
             <a:endParaRPr lang="es-ES" dirty="0"/>
           </a:p>

--- a/DC_presentacion.pptx
+++ b/DC_presentacion.pptx
@@ -6502,9 +6502,10 @@
               <a:buNone/>
             </a:pPr>
             <a:r>
-              <a:rPr lang="es-ES" sz="1400" dirty="0"/>
-              <a:t>Enero 2021</a:t>
+              <a:rPr lang="es-ES" sz="1400"/>
+              <a:t>Enero 2022</a:t>
             </a:r>
+            <a:endParaRPr lang="es-ES" sz="1400" dirty="0"/>
           </a:p>
           <a:p>
             <a:endParaRPr lang="es-ES" sz="1400" dirty="0"/>
@@ -9069,13 +9070,8 @@
             </a:r>
             <a:r>
               <a:rPr lang="es-ES" dirty="0"/>
-              <a:t> (Resultado de prueba de </a:t>
+              <a:t> (Resultado de prueba de esfuerzo con Talio)</a:t>
             </a:r>
-            <a:r>
-              <a:rPr lang="es-ES"/>
-              <a:t>esfuerzo con Talio)</a:t>
-            </a:r>
-            <a:endParaRPr lang="es-ES" dirty="0"/>
           </a:p>
         </p:txBody>
       </p:sp>

--- a/DC_presentacion.pptx
+++ b/DC_presentacion.pptx
@@ -278,6 +278,12 @@
     </p:ext>
   </p:extLst>
 </p:presentation>
+</file>
+
+<file path=ppt/authors.xml><?xml version="1.0" encoding="utf-8"?>
+<p188:authorLst xmlns:a="http://schemas.openxmlformats.org/drawingml/2006/main" xmlns:r="http://schemas.openxmlformats.org/officeDocument/2006/relationships" xmlns:p188="http://schemas.microsoft.com/office/powerpoint/2018/8/main">
+  <p188:author id="{01125007-F67D-7A29-609D-5A3AD851D246}" name="Carlos Luis Gento de Celis" initials="CLGdC" userId="389db56049c25c5f" providerId="Windows Live"/>
+</p188:authorLst>
 </file>
 
 <file path=ppt/notesMasters/notesMaster1.xml><?xml version="1.0" encoding="utf-8"?>
@@ -770,6 +776,9 @@
           <a:bodyPr/>
           <a:lstStyle/>
           <a:p>
+            <a:pPr marL="139700" indent="0">
+              <a:buNone/>
+            </a:pPr>
             <a:endParaRPr lang="es-ES" dirty="0"/>
           </a:p>
         </p:txBody>
@@ -6502,10 +6511,9 @@
               <a:buNone/>
             </a:pPr>
             <a:r>
-              <a:rPr lang="es-ES" sz="1400"/>
+              <a:rPr lang="es-ES" sz="1400" dirty="0"/>
               <a:t>Enero 2022</a:t>
             </a:r>
-            <a:endParaRPr lang="es-ES" sz="1400" dirty="0"/>
           </a:p>
           <a:p>
             <a:endParaRPr lang="es-ES" sz="1400" dirty="0"/>
@@ -6666,6 +6674,36 @@
       </p:grpSpPr>
       <p:pic>
         <p:nvPicPr>
+          <p:cNvPr id="24" name="Picture 23" descr="Chart, bar chart, treemap chart&#10;&#10;Description automatically generated">
+            <a:extLst>
+              <a:ext uri="{FF2B5EF4-FFF2-40B4-BE49-F238E27FC236}">
+                <a16:creationId xmlns:a16="http://schemas.microsoft.com/office/drawing/2014/main" id="{76AC6032-F410-4F19-A61E-2E765A06F1F4}"/>
+              </a:ext>
+            </a:extLst>
+          </p:cNvPr>
+          <p:cNvPicPr>
+            <a:picLocks noChangeAspect="1"/>
+          </p:cNvPicPr>
+          <p:nvPr/>
+        </p:nvPicPr>
+        <p:blipFill>
+          <a:blip r:embed="rId2"/>
+          <a:stretch>
+            <a:fillRect/>
+          </a:stretch>
+        </p:blipFill>
+        <p:spPr>
+          <a:xfrm>
+            <a:off x="5904002" y="335496"/>
+            <a:ext cx="3239998" cy="2601599"/>
+          </a:xfrm>
+          <a:prstGeom prst="rect">
+            <a:avLst/>
+          </a:prstGeom>
+        </p:spPr>
+      </p:pic>
+      <p:pic>
+        <p:nvPicPr>
           <p:cNvPr id="13" name="Picture 12" descr="Chart, treemap chart&#10;&#10;Description automatically generated">
             <a:extLst>
               <a:ext uri="{FF2B5EF4-FFF2-40B4-BE49-F238E27FC236}">
@@ -6679,7 +6717,7 @@
           <p:nvPr/>
         </p:nvPicPr>
         <p:blipFill>
-          <a:blip r:embed="rId2"/>
+          <a:blip r:embed="rId3"/>
           <a:stretch>
             <a:fillRect/>
           </a:stretch>
@@ -6709,7 +6747,7 @@
           <p:nvPr>
             <p:extLst>
               <p:ext uri="{D42A27DB-BD31-4B8C-83A1-F6EECF244321}">
-                <p14:modId xmlns:p14="http://schemas.microsoft.com/office/powerpoint/2010/main" val="2430685289"/>
+                <p14:modId xmlns:p14="http://schemas.microsoft.com/office/powerpoint/2010/main" val="2234329670"/>
               </p:ext>
             </p:extLst>
           </p:nvPr>
@@ -7119,7 +7157,7 @@
                       </a:pPr>
                       <a:r>
                         <a:rPr lang="es-ES" sz="1100" dirty="0"/>
-                        <a:t>Más enfermedad del corazón en resultado Normal en prueba de esfuerzo con Talio</a:t>
+                        <a:t>Menos enfermedad del corazón en resultado Normal en prueba de esfuerzo con Talio</a:t>
                       </a:r>
                     </a:p>
                   </a:txBody>
@@ -7154,7 +7192,7 @@
           <p:nvPr/>
         </p:nvPicPr>
         <p:blipFill>
-          <a:blip r:embed="rId3"/>
+          <a:blip r:embed="rId4"/>
           <a:stretch>
             <a:fillRect/>
           </a:stretch>
@@ -7275,36 +7313,6 @@
           </a:p>
         </p:txBody>
       </p:sp>
-      <p:pic>
-        <p:nvPicPr>
-          <p:cNvPr id="24" name="Picture 23" descr="Chart, bar chart, treemap chart&#10;&#10;Description automatically generated">
-            <a:extLst>
-              <a:ext uri="{FF2B5EF4-FFF2-40B4-BE49-F238E27FC236}">
-                <a16:creationId xmlns:a16="http://schemas.microsoft.com/office/drawing/2014/main" id="{76AC6032-F410-4F19-A61E-2E765A06F1F4}"/>
-              </a:ext>
-            </a:extLst>
-          </p:cNvPr>
-          <p:cNvPicPr>
-            <a:picLocks noChangeAspect="1"/>
-          </p:cNvPicPr>
-          <p:nvPr/>
-        </p:nvPicPr>
-        <p:blipFill>
-          <a:blip r:embed="rId4"/>
-          <a:stretch>
-            <a:fillRect/>
-          </a:stretch>
-        </p:blipFill>
-        <p:spPr>
-          <a:xfrm>
-            <a:off x="5904000" y="239310"/>
-            <a:ext cx="3240000" cy="2601601"/>
-          </a:xfrm>
-          <a:prstGeom prst="rect">
-            <a:avLst/>
-          </a:prstGeom>
-        </p:spPr>
-      </p:pic>
     </p:spTree>
     <p:extLst>
       <p:ext uri="{BB962C8B-B14F-4D97-AF65-F5344CB8AC3E}">
@@ -7477,7 +7485,7 @@
         <p:spPr>
           <a:xfrm>
             <a:off x="4558126" y="415923"/>
-            <a:ext cx="3916720" cy="323037"/>
+            <a:ext cx="3916720" cy="570797"/>
           </a:xfrm>
           <a:prstGeom prst="rect">
             <a:avLst/>
@@ -7510,7 +7518,7 @@
                 <a:ea typeface="Roboto"/>
                 <a:sym typeface="Roboto"/>
               </a:rPr>
-              <a:t>Test Normalidad y heterocedasticidad</a:t>
+              <a:t>Test Normalidad y homogeneidad de varianzas</a:t>
             </a:r>
           </a:p>
         </p:txBody>
@@ -7530,14 +7538,14 @@
           <p:nvPr>
             <p:extLst>
               <p:ext uri="{D42A27DB-BD31-4B8C-83A1-F6EECF244321}">
-                <p14:modId xmlns:p14="http://schemas.microsoft.com/office/powerpoint/2010/main" val="915056105"/>
+                <p14:modId xmlns:p14="http://schemas.microsoft.com/office/powerpoint/2010/main" val="1035239574"/>
               </p:ext>
             </p:extLst>
           </p:nvPr>
         </p:nvGraphicFramePr>
         <p:xfrm>
-          <a:off x="4880894" y="822087"/>
-          <a:ext cx="4176078" cy="1624282"/>
+          <a:off x="4887618" y="971534"/>
+          <a:ext cx="4176078" cy="1507200"/>
         </p:xfrm>
         <a:graphic>
           <a:graphicData uri="http://schemas.openxmlformats.org/drawingml/2006/table">
@@ -7644,21 +7652,21 @@
                     <a:bodyPr/>
                     <a:lstStyle/>
                     <a:p>
-                      <a:pPr algn="l"/>
+                      <a:pPr algn="ctr"/>
                       <a:r>
                         <a:rPr lang="es-ES" sz="1000" dirty="0"/>
                         <a:t>Shapiro Enfermedad</a:t>
                       </a:r>
                     </a:p>
                     <a:p>
-                      <a:pPr algn="l"/>
+                      <a:pPr algn="ctr"/>
                       <a:r>
                         <a:rPr lang="es-ES" sz="1000" dirty="0"/>
                         <a:t>(target = 1)</a:t>
                       </a:r>
                     </a:p>
                   </a:txBody>
-                  <a:tcPr marT="36000" marB="36000"/>
+                  <a:tcPr marT="36000" marB="36000" anchor="ctr"/>
                 </a:tc>
                 <a:tc>
                   <a:txBody>
@@ -7672,7 +7680,7 @@
                       </a:r>
                     </a:p>
                   </a:txBody>
-                  <a:tcPr marT="36000" marB="36000"/>
+                  <a:tcPr marT="36000" marB="36000" anchor="ctr"/>
                 </a:tc>
                 <a:tc>
                   <a:txBody>
@@ -7686,7 +7694,7 @@
                       </a:r>
                     </a:p>
                   </a:txBody>
-                  <a:tcPr marT="36000" marB="36000"/>
+                  <a:tcPr marT="36000" marB="36000" anchor="ctr"/>
                 </a:tc>
                 <a:tc>
                   <a:txBody>
@@ -7700,7 +7708,7 @@
                       </a:r>
                     </a:p>
                   </a:txBody>
-                  <a:tcPr marT="36000" marB="36000"/>
+                  <a:tcPr marT="36000" marB="36000" anchor="ctr"/>
                 </a:tc>
                 <a:extLst>
                   <a:ext uri="{0D108BD9-81ED-4DB2-BD59-A6C34878D82A}">
@@ -7714,7 +7722,7 @@
                     <a:bodyPr/>
                     <a:lstStyle/>
                     <a:p>
-                      <a:pPr marL="0" marR="0" lvl="0" indent="0" algn="l" defTabSz="914400" rtl="0" eaLnBrk="1" fontAlgn="auto" latinLnBrk="0" hangingPunct="1">
+                      <a:pPr marL="0" marR="0" lvl="0" indent="0" algn="ctr" defTabSz="914400" rtl="0" eaLnBrk="1" fontAlgn="auto" latinLnBrk="0" hangingPunct="1">
                         <a:lnSpc>
                           <a:spcPct val="100000"/>
                         </a:lnSpc>
@@ -7739,7 +7747,7 @@
                       </a:r>
                     </a:p>
                     <a:p>
-                      <a:pPr marL="0" marR="0" lvl="0" indent="0" algn="l" defTabSz="914400" rtl="0" eaLnBrk="1" fontAlgn="auto" latinLnBrk="0" hangingPunct="1">
+                      <a:pPr marL="0" marR="0" lvl="0" indent="0" algn="ctr" defTabSz="914400" rtl="0" eaLnBrk="1" fontAlgn="auto" latinLnBrk="0" hangingPunct="1">
                         <a:lnSpc>
                           <a:spcPct val="100000"/>
                         </a:lnSpc>
@@ -7763,12 +7771,8 @@
                         <a:t>(target = 0)</a:t>
                       </a:r>
                     </a:p>
-                    <a:p>
-                      <a:pPr algn="l"/>
-                      <a:endParaRPr lang="es-ES" sz="1000" dirty="0"/>
-                    </a:p>
                   </a:txBody>
-                  <a:tcPr marT="36000" marB="36000"/>
+                  <a:tcPr marT="36000" marB="36000" anchor="ctr"/>
                 </a:tc>
                 <a:tc>
                   <a:txBody>
@@ -7782,7 +7786,7 @@
                       </a:r>
                     </a:p>
                   </a:txBody>
-                  <a:tcPr marT="36000" marB="36000"/>
+                  <a:tcPr marT="36000" marB="36000" anchor="ctr"/>
                 </a:tc>
                 <a:tc>
                   <a:txBody>
@@ -7796,7 +7800,7 @@
                       </a:r>
                     </a:p>
                   </a:txBody>
-                  <a:tcPr marT="36000" marB="36000"/>
+                  <a:tcPr marT="36000" marB="36000" anchor="ctr"/>
                 </a:tc>
                 <a:tc>
                   <a:txBody>
@@ -7810,7 +7814,7 @@
                       </a:r>
                     </a:p>
                   </a:txBody>
-                  <a:tcPr marT="36000" marB="36000"/>
+                  <a:tcPr marT="36000" marB="36000" anchor="ctr"/>
                 </a:tc>
                 <a:extLst>
                   <a:ext uri="{0D108BD9-81ED-4DB2-BD59-A6C34878D82A}">
@@ -7824,7 +7828,7 @@
                     <a:bodyPr/>
                     <a:lstStyle/>
                     <a:p>
-                      <a:pPr algn="l"/>
+                      <a:pPr algn="ctr"/>
                       <a:r>
                         <a:rPr lang="es-ES" sz="1000" dirty="0" err="1"/>
                         <a:t>Fligner-Killeen</a:t>
@@ -7832,7 +7836,7 @@
                       <a:endParaRPr lang="es-ES" sz="1000" dirty="0"/>
                     </a:p>
                   </a:txBody>
-                  <a:tcPr marT="36000" marB="36000"/>
+                  <a:tcPr marT="36000" marB="36000" anchor="ctr"/>
                 </a:tc>
                 <a:tc>
                   <a:txBody>
@@ -7846,7 +7850,7 @@
                       </a:r>
                     </a:p>
                   </a:txBody>
-                  <a:tcPr marT="36000" marB="36000"/>
+                  <a:tcPr marT="36000" marB="36000" anchor="ctr"/>
                 </a:tc>
                 <a:tc>
                   <a:txBody>
@@ -7860,7 +7864,7 @@
                       </a:r>
                     </a:p>
                   </a:txBody>
-                  <a:tcPr marT="36000" marB="36000"/>
+                  <a:tcPr marT="36000" marB="36000" anchor="ctr"/>
                 </a:tc>
                 <a:tc>
                   <a:txBody>
@@ -7870,11 +7874,11 @@
                       <a:pPr algn="ctr"/>
                       <a:r>
                         <a:rPr lang="es-ES" sz="1000" dirty="0"/>
-                        <a:t>No homogeneidad</a:t>
+                        <a:t>No homogeneidad de varianzas</a:t>
                       </a:r>
                     </a:p>
                   </a:txBody>
-                  <a:tcPr marT="36000" marB="36000"/>
+                  <a:tcPr marT="36000" marB="36000" anchor="ctr"/>
                 </a:tc>
                 <a:extLst>
                   <a:ext uri="{0D108BD9-81ED-4DB2-BD59-A6C34878D82A}">
@@ -7954,14 +7958,14 @@
           <p:nvPr>
             <p:extLst>
               <p:ext uri="{D42A27DB-BD31-4B8C-83A1-F6EECF244321}">
-                <p14:modId xmlns:p14="http://schemas.microsoft.com/office/powerpoint/2010/main" val="3108717068"/>
+                <p14:modId xmlns:p14="http://schemas.microsoft.com/office/powerpoint/2010/main" val="2574889566"/>
               </p:ext>
             </p:extLst>
           </p:nvPr>
         </p:nvGraphicFramePr>
         <p:xfrm>
           <a:off x="4946053" y="3222802"/>
-          <a:ext cx="3886210" cy="753600"/>
+          <a:ext cx="3886210" cy="906000"/>
         </p:xfrm>
         <a:graphic>
           <a:graphicData uri="http://schemas.openxmlformats.org/drawingml/2006/table">
@@ -8058,7 +8062,7 @@
                       </a:r>
                     </a:p>
                   </a:txBody>
-                  <a:tcPr marT="36000" marB="36000"/>
+                  <a:tcPr marT="36000" marB="36000" anchor="ctr"/>
                 </a:tc>
                 <a:tc>
                   <a:txBody>
@@ -8080,7 +8084,11 @@
                       </a:r>
                     </a:p>
                   </a:txBody>
-                  <a:tcPr marT="36000" marB="36000"/>
+                  <a:tcPr marT="36000" marB="36000" anchor="ctr">
+                    <a:solidFill>
+                      <a:schemeClr val="bg1"/>
+                    </a:solidFill>
+                  </a:tcPr>
                 </a:tc>
                 <a:tc>
                   <a:txBody>
@@ -8090,7 +8098,7 @@
                       <a:pPr algn="ctr"/>
                       <a:r>
                         <a:rPr lang="es-ES" sz="1000" dirty="0"/>
-                        <a:t>La frecuencia cardíaca es mayor en pacientes sin enfermedad en el corazón</a:t>
+                        <a:t>La frecuencia cardíaca media es mayor en pacientes sin enfermedad en el corazón</a:t>
                       </a:r>
                     </a:p>
                   </a:txBody>
@@ -8253,7 +8261,7 @@
             </a:pPr>
             <a:r>
               <a:rPr lang="es-ES" dirty="0"/>
-              <a:t>Limpieza y análisis de los datos</a:t>
+              <a:t>Limpieza de los datos</a:t>
             </a:r>
           </a:p>
           <a:p>
@@ -8828,7 +8836,7 @@
           <a:p>
             <a:r>
               <a:rPr lang="es-ES" dirty="0"/>
-              <a:t>3. Limpieza y análisis de los datos</a:t>
+              <a:t>3. Limpieza de los datos</a:t>
             </a:r>
           </a:p>
         </p:txBody>
@@ -8873,40 +8881,34 @@
               <a:rPr lang="es-ES" dirty="0">
                 <a:latin typeface="LMRoman10-Regular"/>
               </a:rPr>
-              <a:t>Carga de datos</a:t>
+              <a:t>Carga de datos de forma correcta</a:t>
             </a:r>
           </a:p>
           <a:p>
             <a:pPr lvl="1"/>
             <a:r>
-              <a:rPr lang="es-ES" b="0" i="0" u="none" strike="noStrike" baseline="0" dirty="0">
+              <a:rPr lang="es-ES" b="1" i="0" u="none" strike="noStrike" baseline="0" dirty="0">
                 <a:latin typeface="LMRoman10-Regular"/>
               </a:rPr>
               <a:t>Tra</a:t>
             </a:r>
             <a:r>
+              <a:rPr lang="es-ES" b="1" dirty="0">
+                <a:latin typeface="LMRoman10-Regular"/>
+              </a:rPr>
+              <a:t>tamiento de valores perdidos </a:t>
+            </a:r>
+            <a:r>
               <a:rPr lang="es-ES" dirty="0">
                 <a:latin typeface="LMRoman10-Regular"/>
               </a:rPr>
-              <a:t>tamiento de valores perdidos</a:t>
-            </a:r>
-          </a:p>
-          <a:p>
-            <a:pPr lvl="1"/>
-            <a:r>
-              <a:rPr lang="es-ES" b="0" i="0" u="none" strike="noStrike" baseline="0" dirty="0">
+              <a:t>→ Imputación </a:t>
+            </a:r>
+            <a:r>
+              <a:rPr lang="es-ES" dirty="0" err="1">
                 <a:latin typeface="LMRoman10-Regular"/>
               </a:rPr>
-              <a:t>Selección y formateo de la variable target</a:t>
-            </a:r>
-          </a:p>
-          <a:p>
-            <a:pPr lvl="1"/>
-            <a:r>
-              <a:rPr lang="es-ES" b="0" i="0" u="none" strike="noStrike" baseline="0" dirty="0">
-                <a:latin typeface="LMRoman10-Regular"/>
-              </a:rPr>
-              <a:t>Tratamiento de variables categóricas</a:t>
+              <a:t>kNN</a:t>
             </a:r>
             <a:endParaRPr lang="es-ES" dirty="0">
               <a:latin typeface="LMRoman10-Regular"/>
@@ -8918,13 +8920,112 @@
               <a:rPr lang="es-ES" b="0" i="0" u="none" strike="noStrike" baseline="0" dirty="0">
                 <a:latin typeface="LMRoman10-Regular"/>
               </a:rPr>
-              <a:t>Identificación </a:t>
+              <a:t>Selección y formateo de la variable target (presencia de enfermedad)</a:t>
+            </a:r>
+          </a:p>
+          <a:p>
+            <a:pPr lvl="1"/>
+            <a:r>
+              <a:rPr lang="es-ES" b="0" i="0" u="none" strike="noStrike" baseline="0" dirty="0">
+                <a:latin typeface="LMRoman10-Regular"/>
+              </a:rPr>
+              <a:t>Tratamiento de variables categóricas </a:t>
             </a:r>
             <a:r>
               <a:rPr lang="es-ES" dirty="0">
                 <a:latin typeface="LMRoman10-Regular"/>
               </a:rPr>
-              <a:t>y tratamiento de valores extremos</a:t>
+              <a:t>→ sex, </a:t>
+            </a:r>
+            <a:r>
+              <a:rPr lang="es-ES" dirty="0" err="1">
+                <a:latin typeface="LMRoman10-Regular"/>
+              </a:rPr>
+              <a:t>cp</a:t>
+            </a:r>
+            <a:r>
+              <a:rPr lang="es-ES" dirty="0">
+                <a:latin typeface="LMRoman10-Regular"/>
+              </a:rPr>
+              <a:t>, </a:t>
+            </a:r>
+            <a:r>
+              <a:rPr lang="es-ES" dirty="0" err="1">
+                <a:latin typeface="LMRoman10-Regular"/>
+              </a:rPr>
+              <a:t>fbs</a:t>
+            </a:r>
+            <a:r>
+              <a:rPr lang="es-ES" dirty="0">
+                <a:latin typeface="LMRoman10-Regular"/>
+              </a:rPr>
+              <a:t>, </a:t>
+            </a:r>
+            <a:r>
+              <a:rPr lang="es-ES" dirty="0" err="1">
+                <a:latin typeface="LMRoman10-Regular"/>
+              </a:rPr>
+              <a:t>restecg</a:t>
+            </a:r>
+            <a:r>
+              <a:rPr lang="es-ES" dirty="0">
+                <a:latin typeface="LMRoman10-Regular"/>
+              </a:rPr>
+              <a:t>, </a:t>
+            </a:r>
+            <a:r>
+              <a:rPr lang="es-ES" dirty="0" err="1">
+                <a:latin typeface="LMRoman10-Regular"/>
+              </a:rPr>
+              <a:t>exang</a:t>
+            </a:r>
+            <a:r>
+              <a:rPr lang="es-ES" dirty="0">
+                <a:latin typeface="LMRoman10-Regular"/>
+              </a:rPr>
+              <a:t>, </a:t>
+            </a:r>
+            <a:r>
+              <a:rPr lang="es-ES" dirty="0" err="1">
+                <a:latin typeface="LMRoman10-Regular"/>
+              </a:rPr>
+              <a:t>slope</a:t>
+            </a:r>
+            <a:r>
+              <a:rPr lang="es-ES" dirty="0">
+                <a:latin typeface="LMRoman10-Regular"/>
+              </a:rPr>
+              <a:t>, </a:t>
+            </a:r>
+            <a:r>
+              <a:rPr lang="es-ES" dirty="0" err="1">
+                <a:latin typeface="LMRoman10-Regular"/>
+              </a:rPr>
+              <a:t>thal</a:t>
+            </a:r>
+            <a:endParaRPr lang="es-ES" dirty="0">
+              <a:latin typeface="LMRoman10-Regular"/>
+            </a:endParaRPr>
+          </a:p>
+          <a:p>
+            <a:pPr lvl="1"/>
+            <a:r>
+              <a:rPr lang="es-ES" b="1" i="0" u="none" strike="noStrike" baseline="0" dirty="0">
+                <a:latin typeface="LMRoman10-Regular"/>
+              </a:rPr>
+              <a:t>Identificación </a:t>
+            </a:r>
+            <a:r>
+              <a:rPr lang="es-ES" b="1" dirty="0">
+                <a:latin typeface="LMRoman10-Regular"/>
+              </a:rPr>
+              <a:t>y tratamiento de valores extremos </a:t>
+            </a:r>
+            <a:r>
+              <a:rPr lang="es-ES" dirty="0">
+                <a:latin typeface="LMRoman10-Regular"/>
+              </a:rPr>
+              <a:t>→ Se dejaron porque pueden un valor anómalo puede ser un indicador de presencia de enfermedad</a:t>
             </a:r>
             <a:endParaRPr lang="es-ES" b="0" i="0" u="none" strike="noStrike" baseline="0" dirty="0">
               <a:latin typeface="LMRoman10-Regular"/>
@@ -9037,7 +9138,7 @@
             </a:pPr>
             <a:r>
               <a:rPr lang="es-ES" dirty="0"/>
-              <a:t>Sex (Hombre, Mujer)</a:t>
+              <a:t>Sex (Sexo del paciente)</a:t>
             </a:r>
           </a:p>
           <a:p>

--- a/DC_presentacion.pptx
+++ b/DC_presentacion.pptx
@@ -1405,7 +1405,7 @@
             </a:pPr>
             <a:fld id="{00000000-1234-1234-1234-123412341234}" type="slidenum">
               <a:rPr lang="es"/>
-              <a:t>‹#›</a:t>
+              <a:t>‹Nº›</a:t>
             </a:fld>
             <a:endParaRPr/>
           </a:p>
@@ -1982,7 +1982,7 @@
             </a:pPr>
             <a:fld id="{00000000-1234-1234-1234-123412341234}" type="slidenum">
               <a:rPr lang="es"/>
-              <a:t>‹#›</a:t>
+              <a:t>‹Nº›</a:t>
             </a:fld>
             <a:endParaRPr/>
           </a:p>
@@ -2509,7 +2509,7 @@
             </a:pPr>
             <a:fld id="{00000000-1234-1234-1234-123412341234}" type="slidenum">
               <a:rPr lang="es"/>
-              <a:t>‹#›</a:t>
+              <a:t>‹Nº›</a:t>
             </a:fld>
             <a:endParaRPr/>
           </a:p>
@@ -2907,7 +2907,7 @@
             </a:pPr>
             <a:fld id="{00000000-1234-1234-1234-123412341234}" type="slidenum">
               <a:rPr lang="es"/>
-              <a:t>‹#›</a:t>
+              <a:t>‹Nº›</a:t>
             </a:fld>
             <a:endParaRPr/>
           </a:p>
@@ -3426,7 +3426,7 @@
             </a:pPr>
             <a:fld id="{00000000-1234-1234-1234-123412341234}" type="slidenum">
               <a:rPr lang="es"/>
-              <a:t>‹#›</a:t>
+              <a:t>‹Nº›</a:t>
             </a:fld>
             <a:endParaRPr/>
           </a:p>
@@ -4073,7 +4073,7 @@
             </a:pPr>
             <a:fld id="{00000000-1234-1234-1234-123412341234}" type="slidenum">
               <a:rPr lang="es"/>
-              <a:t>‹#›</a:t>
+              <a:t>‹Nº›</a:t>
             </a:fld>
             <a:endParaRPr/>
           </a:p>
@@ -4257,7 +4257,7 @@
             </a:pPr>
             <a:fld id="{00000000-1234-1234-1234-123412341234}" type="slidenum">
               <a:rPr lang="es"/>
-              <a:t>‹#›</a:t>
+              <a:t>‹Nº›</a:t>
             </a:fld>
             <a:endParaRPr/>
           </a:p>
@@ -4970,7 +4970,7 @@
             </a:pPr>
             <a:fld id="{00000000-1234-1234-1234-123412341234}" type="slidenum">
               <a:rPr lang="es"/>
-              <a:t>‹#›</a:t>
+              <a:t>‹Nº›</a:t>
             </a:fld>
             <a:endParaRPr/>
           </a:p>
@@ -5667,7 +5667,7 @@
             </a:pPr>
             <a:fld id="{00000000-1234-1234-1234-123412341234}" type="slidenum">
               <a:rPr lang="es"/>
-              <a:t>‹#›</a:t>
+              <a:t>‹Nº›</a:t>
             </a:fld>
             <a:endParaRPr/>
           </a:p>
@@ -9124,7 +9124,13 @@
           <a:p>
             <a:r>
               <a:rPr lang="es-ES" dirty="0">
-                <a:hlinkClick r:id="rId2" action="ppaction://hlinksldjump"/>
+                <a:hlinkClick r:id="rId2" action="ppaction://hlinksldjump">
+                  <a:extLst>
+                    <a:ext uri="{A12FA001-AC4F-418D-AE19-62706E023703}">
+                      <ahyp:hlinkClr xmlns:ahyp="http://schemas.microsoft.com/office/drawing/2018/hyperlinkcolor" val="tx"/>
+                    </a:ext>
+                  </a:extLst>
+                </a:hlinkClick>
               </a:rPr>
               <a:t>Análisis exploratorio de la variables</a:t>
             </a:r>
@@ -9192,7 +9198,7 @@
         </p:nvSpPr>
         <p:spPr>
           <a:xfrm>
-            <a:off x="311700" y="2628991"/>
+            <a:off x="412385" y="2579343"/>
             <a:ext cx="8520600" cy="2209409"/>
           </a:xfrm>
           <a:prstGeom prst="rect">
@@ -9456,8 +9462,16 @@
           </a:lstStyle>
           <a:p>
             <a:r>
+              <a:rPr lang="es-ES" u="sng" dirty="0">
+                <a:solidFill>
+                  <a:srgbClr val="FF0000"/>
+                </a:solidFill>
+              </a:rPr>
+              <a:t>Modelo de Regresión Logística</a:t>
+            </a:r>
+            <a:r>
               <a:rPr lang="es-ES" dirty="0"/>
-              <a:t>Modelo de Regresión Logística.</a:t>
+              <a:t>.</a:t>
             </a:r>
           </a:p>
           <a:p>
